--- a/Raspoznavanie_zhestov_s_pomoschyu_biblioteki_MediaPipe.pptx
+++ b/Raspoznavanie_zhestov_s_pomoschyu_biblioteki_MediaPipe.pptx
@@ -4123,16 +4123,61 @@
             <p:ph type="title"/>
           </p:nvPr>
         </p:nvSpPr>
-        <p:spPr/>
+        <p:spPr>
+          <a:xfrm>
+            <a:off x="1097280" y="154379"/>
+            <a:ext cx="10058400" cy="1582982"/>
+          </a:xfrm>
+        </p:spPr>
         <p:txBody>
           <a:bodyPr>
-            <a:normAutofit fontScale="90000"/>
+            <a:normAutofit/>
           </a:bodyPr>
           <a:lstStyle/>
           <a:p>
             <a:r>
-              <a:rPr lang="ru-RU" dirty="0"/>
-              <a:t>Собственно, вся суть заключается в поиске 3 значений в пространстве для каждый из 21 точки руки.</a:t>
+              <a:rPr lang="ru-RU" sz="2400" dirty="0"/>
+              <a:t>Собственно, вся суть заключается в поиске 3 значений в пространстве для каждый из 21 точки руки. Для того</a:t>
+            </a:r>
+            <a:r>
+              <a:rPr lang="en-US" sz="2400" dirty="0"/>
+              <a:t>, </a:t>
+            </a:r>
+            <a:r>
+              <a:rPr lang="ru-RU" sz="2400" dirty="0"/>
+              <a:t>чтобы определить сколько пальцев у нас используется</a:t>
+            </a:r>
+            <a:r>
+              <a:rPr lang="en-US" sz="2400" dirty="0"/>
+              <a:t>: </a:t>
+            </a:r>
+            <a:r>
+              <a:rPr lang="ru-RU" sz="2400" dirty="0"/>
+              <a:t>определяются ключевые точки для пальцев</a:t>
+            </a:r>
+            <a:r>
+              <a:rPr lang="en-US" sz="2400" dirty="0"/>
+              <a:t>, </a:t>
+            </a:r>
+            <a:r>
+              <a:rPr lang="ru-RU" sz="2400" dirty="0"/>
+              <a:t>если начальных точек нет (4</a:t>
+            </a:r>
+            <a:r>
+              <a:rPr lang="en-US" sz="2400" dirty="0"/>
+              <a:t>,8,12,16,20</a:t>
+            </a:r>
+            <a:r>
+              <a:rPr lang="ru-RU" sz="2400" dirty="0"/>
+              <a:t>)</a:t>
+            </a:r>
+            <a:r>
+              <a:rPr lang="en-US" sz="2400" dirty="0"/>
+              <a:t> </a:t>
+            </a:r>
+            <a:r>
+              <a:rPr lang="ru-RU" sz="2400" dirty="0"/>
+              <a:t>то дальше точки не отрисовываются и не соединяется</a:t>
             </a:r>
           </a:p>
         </p:txBody>
